--- a/Arch-Diagrams.pptx
+++ b/Arch-Diagrams.pptx
@@ -3737,7 +3737,7 @@
         <p:spPr>
           <a:xfrm>
             <a:off x="5980352" y="3022981"/>
-            <a:ext cx="3163648" cy="646331"/>
+            <a:ext cx="3163648" cy="1200329"/>
           </a:xfrm>
           <a:prstGeom prst="rect">
             <a:avLst/>
@@ -3751,12 +3751,24 @@
           <a:lstStyle/>
           <a:p>
             <a:r>
+              <a:rPr lang="en-US" dirty="0"/>
+              <a:t>P</a:t>
+            </a:r>
+            <a:r>
               <a:rPr lang="en-US" dirty="0" smtClean="0"/>
-              <a:t>Rest API call to </a:t>
+              <a:t>eriodically Rest API calls to </a:t>
             </a:r>
             <a:r>
               <a:rPr lang="en-US" dirty="0" err="1" smtClean="0"/>
               <a:t>WeatherUnderground.com</a:t>
+            </a:r>
+            <a:r>
+              <a:rPr lang="en-US" dirty="0" smtClean="0"/>
+              <a:t> to collect the weather data for each live client/</a:t>
+            </a:r>
+            <a:r>
+              <a:rPr lang="en-US" dirty="0" err="1" smtClean="0"/>
+              <a:t>brower</a:t>
             </a:r>
             <a:endParaRPr lang="en-US" dirty="0" smtClean="0"/>
           </a:p>
@@ -3890,7 +3902,7 @@
         </p:nvSpPr>
         <p:spPr>
           <a:xfrm>
-            <a:off x="1082285" y="4797366"/>
+            <a:off x="1082285" y="4549676"/>
             <a:ext cx="7254762" cy="2308324"/>
           </a:xfrm>
           <a:prstGeom prst="rect">
@@ -3963,7 +3975,7 @@
           <a:p>
             <a:r>
               <a:rPr lang="en-US" dirty="0" smtClean="0"/>
-              <a:t>	- </a:t>
+              <a:t>	-  </a:t>
             </a:r>
             <a:r>
               <a:rPr lang="en-US" dirty="0" err="1" smtClean="0"/>
@@ -3971,7 +3983,7 @@
             </a:r>
             <a:r>
               <a:rPr lang="en-US" dirty="0" smtClean="0"/>
-              <a:t> need maintain all client session and location/IP information</a:t>
+              <a:t> need maintain all live client sessions and location/IP information</a:t>
             </a:r>
           </a:p>
           <a:p>
@@ -3979,6 +3991,36 @@
               <a:rPr lang="en-US" dirty="0"/>
               <a:t>	</a:t>
             </a:r>
+          </a:p>
+        </p:txBody>
+      </p:sp>
+      <p:sp>
+        <p:nvSpPr>
+          <p:cNvPr id="55" name="TextBox 54"/>
+          <p:cNvSpPr txBox="1"/>
+          <p:nvPr/>
+        </p:nvSpPr>
+        <p:spPr>
+          <a:xfrm>
+            <a:off x="493408" y="3022981"/>
+            <a:ext cx="2446315" cy="646331"/>
+          </a:xfrm>
+          <a:prstGeom prst="rect">
+            <a:avLst/>
+          </a:prstGeom>
+          <a:noFill/>
+        </p:spPr>
+        <p:txBody>
+          <a:bodyPr wrap="square" rtlCol="0">
+            <a:spAutoFit/>
+          </a:bodyPr>
+          <a:lstStyle/>
+          <a:p>
+            <a:r>
+              <a:rPr lang="en-US" dirty="0" smtClean="0"/>
+              <a:t>Push weather data to the browser</a:t>
+            </a:r>
+            <a:endParaRPr lang="en-US" dirty="0"/>
           </a:p>
         </p:txBody>
       </p:sp>
